--- a/ARIMA 모형을 이용한 19대 대선의 경제적 개입 영향분석/ARIMA 모형을 이용한 19대 대선의 경제적 개입 영향분석.pptx
+++ b/ARIMA 모형을 이용한 19대 대선의 경제적 개입 영향분석/ARIMA 모형을 이용한 19대 대선의 경제적 개입 영향분석.pptx
@@ -277,7 +277,7 @@
           <a:p>
             <a:fld id="{F8DA475C-9093-4E13-AA85-80A77A6560D1}" type="datetimeFigureOut">
               <a:rPr lang="ko-KR" altLang="en-US" smtClean="0"/>
-              <a:t>2022-02-25</a:t>
+              <a:t>2023-01-31</a:t>
             </a:fld>
             <a:endParaRPr lang="ko-KR" altLang="en-US"/>
           </a:p>
@@ -475,7 +475,7 @@
           <a:p>
             <a:fld id="{F8DA475C-9093-4E13-AA85-80A77A6560D1}" type="datetimeFigureOut">
               <a:rPr lang="ko-KR" altLang="en-US" smtClean="0"/>
-              <a:t>2022-02-25</a:t>
+              <a:t>2023-01-31</a:t>
             </a:fld>
             <a:endParaRPr lang="ko-KR" altLang="en-US"/>
           </a:p>
@@ -683,7 +683,7 @@
           <a:p>
             <a:fld id="{F8DA475C-9093-4E13-AA85-80A77A6560D1}" type="datetimeFigureOut">
               <a:rPr lang="ko-KR" altLang="en-US" smtClean="0"/>
-              <a:t>2022-02-25</a:t>
+              <a:t>2023-01-31</a:t>
             </a:fld>
             <a:endParaRPr lang="ko-KR" altLang="en-US"/>
           </a:p>
@@ -881,7 +881,7 @@
           <a:p>
             <a:fld id="{F8DA475C-9093-4E13-AA85-80A77A6560D1}" type="datetimeFigureOut">
               <a:rPr lang="ko-KR" altLang="en-US" smtClean="0"/>
-              <a:t>2022-02-25</a:t>
+              <a:t>2023-01-31</a:t>
             </a:fld>
             <a:endParaRPr lang="ko-KR" altLang="en-US"/>
           </a:p>
@@ -1156,7 +1156,7 @@
           <a:p>
             <a:fld id="{F8DA475C-9093-4E13-AA85-80A77A6560D1}" type="datetimeFigureOut">
               <a:rPr lang="ko-KR" altLang="en-US" smtClean="0"/>
-              <a:t>2022-02-25</a:t>
+              <a:t>2023-01-31</a:t>
             </a:fld>
             <a:endParaRPr lang="ko-KR" altLang="en-US"/>
           </a:p>
@@ -1421,7 +1421,7 @@
           <a:p>
             <a:fld id="{F8DA475C-9093-4E13-AA85-80A77A6560D1}" type="datetimeFigureOut">
               <a:rPr lang="ko-KR" altLang="en-US" smtClean="0"/>
-              <a:t>2022-02-25</a:t>
+              <a:t>2023-01-31</a:t>
             </a:fld>
             <a:endParaRPr lang="ko-KR" altLang="en-US"/>
           </a:p>
@@ -1833,7 +1833,7 @@
           <a:p>
             <a:fld id="{F8DA475C-9093-4E13-AA85-80A77A6560D1}" type="datetimeFigureOut">
               <a:rPr lang="ko-KR" altLang="en-US" smtClean="0"/>
-              <a:t>2022-02-25</a:t>
+              <a:t>2023-01-31</a:t>
             </a:fld>
             <a:endParaRPr lang="ko-KR" altLang="en-US"/>
           </a:p>
@@ -1974,7 +1974,7 @@
           <a:p>
             <a:fld id="{F8DA475C-9093-4E13-AA85-80A77A6560D1}" type="datetimeFigureOut">
               <a:rPr lang="ko-KR" altLang="en-US" smtClean="0"/>
-              <a:t>2022-02-25</a:t>
+              <a:t>2023-01-31</a:t>
             </a:fld>
             <a:endParaRPr lang="ko-KR" altLang="en-US"/>
           </a:p>
@@ -2087,7 +2087,7 @@
           <a:p>
             <a:fld id="{F8DA475C-9093-4E13-AA85-80A77A6560D1}" type="datetimeFigureOut">
               <a:rPr lang="ko-KR" altLang="en-US" smtClean="0"/>
-              <a:t>2022-02-25</a:t>
+              <a:t>2023-01-31</a:t>
             </a:fld>
             <a:endParaRPr lang="ko-KR" altLang="en-US"/>
           </a:p>
@@ -2398,7 +2398,7 @@
           <a:p>
             <a:fld id="{F8DA475C-9093-4E13-AA85-80A77A6560D1}" type="datetimeFigureOut">
               <a:rPr lang="ko-KR" altLang="en-US" smtClean="0"/>
-              <a:t>2022-02-25</a:t>
+              <a:t>2023-01-31</a:t>
             </a:fld>
             <a:endParaRPr lang="ko-KR" altLang="en-US"/>
           </a:p>
@@ -2686,7 +2686,7 @@
           <a:p>
             <a:fld id="{F8DA475C-9093-4E13-AA85-80A77A6560D1}" type="datetimeFigureOut">
               <a:rPr lang="ko-KR" altLang="en-US" smtClean="0"/>
-              <a:t>2022-02-25</a:t>
+              <a:t>2023-01-31</a:t>
             </a:fld>
             <a:endParaRPr lang="ko-KR" altLang="en-US"/>
           </a:p>
@@ -2927,7 +2927,7 @@
           <a:p>
             <a:fld id="{F8DA475C-9093-4E13-AA85-80A77A6560D1}" type="datetimeFigureOut">
               <a:rPr lang="ko-KR" altLang="en-US" smtClean="0"/>
-              <a:t>2022-02-25</a:t>
+              <a:t>2023-01-31</a:t>
             </a:fld>
             <a:endParaRPr lang="ko-KR" altLang="en-US"/>
           </a:p>
